--- a/Presentasi_PPL4623_KELOMPOK6.pptx
+++ b/Presentasi_PPL4623_KELOMPOK6.pptx
@@ -115,6 +115,11 @@
       </a:defRPr>
     </a:lvl9pPr>
   </p:defaultTextStyle>
+  <p:extLst>
+    <p:ext uri="{EFAFB233-063F-42B5-8137-9DF3F51BA10A}">
+      <p15:sldGuideLst xmlns:p15="http://schemas.microsoft.com/office/powerpoint/2012/main"/>
+    </p:ext>
+  </p:extLst>
 </p:presentation>
 </file>
 
@@ -4427,31 +4432,6 @@
       </p:sp>
       <p:sp>
         <p:nvSpPr>
-          <p:cNvPr id="3" name="Subtitle 2">
-            <a:extLst>
-              <a:ext uri="{FF2B5EF4-FFF2-40B4-BE49-F238E27FC236}">
-                <a16:creationId xmlns:a16="http://schemas.microsoft.com/office/drawing/2014/main" id="{BBE57279-B35B-4F1F-BE64-1CDCFDA1929A}"/>
-              </a:ext>
-            </a:extLst>
-          </p:cNvPr>
-          <p:cNvSpPr>
-            <a:spLocks noGrp="1"/>
-          </p:cNvSpPr>
-          <p:nvPr>
-            <p:ph type="subTitle" idx="1"/>
-          </p:nvPr>
-        </p:nvSpPr>
-        <p:spPr/>
-        <p:txBody>
-          <a:bodyPr/>
-          <a:lstStyle/>
-          <a:p>
-            <a:endParaRPr lang="en-ID" dirty="0"/>
-          </a:p>
-        </p:txBody>
-      </p:sp>
-      <p:sp>
-        <p:nvSpPr>
           <p:cNvPr id="7" name="TextBox 6">
             <a:extLst>
               <a:ext uri="{FF2B5EF4-FFF2-40B4-BE49-F238E27FC236}">
@@ -4544,7 +4524,7 @@
                 <a:ea typeface="Times New Roman" panose="02020603050405020304" pitchFamily="18" charset="0"/>
                 <a:cs typeface="Times New Roman" panose="02020603050405020304" pitchFamily="18" charset="0"/>
               </a:rPr>
-              <a:t> (A11.2018.11111)</a:t>
+              <a:t> 	(A11.2018.11111)</a:t>
             </a:r>
             <a:endParaRPr lang="en-ID" sz="1400" dirty="0">
               <a:effectLst/>
@@ -4620,7 +4600,7 @@
                 <a:ea typeface="Times New Roman" panose="02020603050405020304" pitchFamily="18" charset="0"/>
                 <a:cs typeface="Times New Roman" panose="02020603050405020304" pitchFamily="18" charset="0"/>
               </a:rPr>
-              <a:t> (A11.2018.11113)</a:t>
+              <a:t> 	(A11.2018.11113)</a:t>
             </a:r>
             <a:endParaRPr lang="en-ID" sz="1400" dirty="0">
               <a:effectLst/>
@@ -4648,20 +4628,24 @@
                 <a:ea typeface="Times New Roman" panose="02020603050405020304" pitchFamily="18" charset="0"/>
                 <a:cs typeface="Times New Roman" panose="02020603050405020304" pitchFamily="18" charset="0"/>
               </a:rPr>
-              <a:t>3. Diva </a:t>
-            </a:r>
-            <a:r>
-              <a:rPr lang="en-US" sz="1800" dirty="0" err="1">
-                <a:solidFill>
-                  <a:srgbClr val="000000"/>
-                </a:solidFill>
-                <a:effectLst/>
-                <a:latin typeface="Courier New" panose="02070309020205020404" pitchFamily="49" charset="0"/>
-                <a:ea typeface="Times New Roman" panose="02020603050405020304" pitchFamily="18" charset="0"/>
-                <a:cs typeface="Times New Roman" panose="02020603050405020304" pitchFamily="18" charset="0"/>
-              </a:rPr>
-              <a:t>Madani</a:t>
-            </a:r>
+              <a:t>3. Diva Madani S. 		(A11.2018.11021)</a:t>
+            </a:r>
+            <a:endParaRPr lang="en-ID" sz="1400" dirty="0">
+              <a:effectLst/>
+              <a:latin typeface="Calibri" panose="020F0502020204030204" pitchFamily="34" charset="0"/>
+              <a:ea typeface="Calibri" panose="020F0502020204030204" pitchFamily="34" charset="0"/>
+              <a:cs typeface="Times New Roman" panose="02020603050405020304" pitchFamily="18" charset="0"/>
+            </a:endParaRPr>
+          </a:p>
+          <a:p>
+            <a:pPr marL="457200" indent="457200">
+              <a:lnSpc>
+                <a:spcPct val="107000"/>
+              </a:lnSpc>
+              <a:spcAft>
+                <a:spcPts val="800"/>
+              </a:spcAft>
+            </a:pPr>
             <a:r>
               <a:rPr lang="en-US" sz="1800" dirty="0">
                 <a:solidFill>
@@ -4672,35 +4656,7 @@
                 <a:ea typeface="Times New Roman" panose="02020603050405020304" pitchFamily="18" charset="0"/>
                 <a:cs typeface="Times New Roman" panose="02020603050405020304" pitchFamily="18" charset="0"/>
               </a:rPr>
-              <a:t> S. (A11.2018.11021)</a:t>
-            </a:r>
-            <a:endParaRPr lang="en-ID" sz="1400" dirty="0">
-              <a:effectLst/>
-              <a:latin typeface="Calibri" panose="020F0502020204030204" pitchFamily="34" charset="0"/>
-              <a:ea typeface="Calibri" panose="020F0502020204030204" pitchFamily="34" charset="0"/>
-              <a:cs typeface="Times New Roman" panose="02020603050405020304" pitchFamily="18" charset="0"/>
-            </a:endParaRPr>
-          </a:p>
-          <a:p>
-            <a:pPr marL="457200" indent="457200">
-              <a:lnSpc>
-                <a:spcPct val="107000"/>
-              </a:lnSpc>
-              <a:spcAft>
-                <a:spcPts val="800"/>
-              </a:spcAft>
-            </a:pPr>
-            <a:r>
-              <a:rPr lang="en-US" sz="1800" dirty="0">
-                <a:solidFill>
-                  <a:srgbClr val="000000"/>
-                </a:solidFill>
-                <a:effectLst/>
-                <a:latin typeface="Courier New" panose="02070309020205020404" pitchFamily="49" charset="0"/>
-                <a:ea typeface="Times New Roman" panose="02020603050405020304" pitchFamily="18" charset="0"/>
-                <a:cs typeface="Times New Roman" panose="02020603050405020304" pitchFamily="18" charset="0"/>
-              </a:rPr>
-              <a:t>4. Muhammad Raihan A. (A11.2018.11100)</a:t>
+              <a:t>4. Muhammad Raihan A. 	(A11.2018.11100)</a:t>
             </a:r>
             <a:endParaRPr lang="en-ID" sz="1400" dirty="0">
               <a:effectLst/>
@@ -4800,7 +4756,7 @@
                 <a:ea typeface="Times New Roman" panose="02020603050405020304" pitchFamily="18" charset="0"/>
                 <a:cs typeface="Times New Roman" panose="02020603050405020304" pitchFamily="18" charset="0"/>
               </a:rPr>
-              <a:t> (A11.2018.11265)</a:t>
+              <a:t> 	(A11.2018.11265)</a:t>
             </a:r>
             <a:endParaRPr lang="en-ID" sz="1400" dirty="0">
               <a:effectLst/>
@@ -4876,7 +4832,7 @@
                 <a:ea typeface="Times New Roman" panose="02020603050405020304" pitchFamily="18" charset="0"/>
                 <a:cs typeface="Times New Roman" panose="02020603050405020304" pitchFamily="18" charset="0"/>
               </a:rPr>
-              <a:t> (A11.2018.11556)</a:t>
+              <a:t> 		(A11.2018.11556)</a:t>
             </a:r>
             <a:endParaRPr lang="en-ID" sz="1400" dirty="0">
               <a:effectLst/>

--- a/Presentasi_PPL4623_KELOMPOK6.pptx
+++ b/Presentasi_PPL4623_KELOMPOK6.pptx
@@ -168,6 +168,7 @@
           </a:p>
         </c:rich>
       </c:tx>
+      <c:layout/>
       <c:overlay val="0"/>
       <c:spPr>
         <a:noFill/>
@@ -5026,7 +5027,7 @@
           </p:nvPr>
         </p:nvPicPr>
         <p:blipFill>
-          <a:blip r:embed="rId2">
+          <a:blip r:embed="rId2" cstate="hqprint">
             <a:extLst>
               <a:ext uri="{28A0092B-C50C-407E-A947-70E740481C1C}">
                 <a14:useLocalDpi xmlns:a14="http://schemas.microsoft.com/office/drawing/2010/main" val="0"/>
@@ -5059,7 +5060,7 @@
           <p:nvPr/>
         </p:nvPicPr>
         <p:blipFill>
-          <a:blip r:embed="rId3">
+          <a:blip r:embed="rId3" cstate="hqprint">
             <a:extLst>
               <a:ext uri="{28A0092B-C50C-407E-A947-70E740481C1C}">
                 <a14:useLocalDpi xmlns:a14="http://schemas.microsoft.com/office/drawing/2010/main" val="0"/>
@@ -5162,7 +5163,7 @@
           </p:nvPr>
         </p:nvPicPr>
         <p:blipFill>
-          <a:blip r:embed="rId2">
+          <a:blip r:embed="rId2" cstate="hqprint">
             <a:extLst>
               <a:ext uri="{28A0092B-C50C-407E-A947-70E740481C1C}">
                 <a14:useLocalDpi xmlns:a14="http://schemas.microsoft.com/office/drawing/2010/main" val="0"/>
@@ -5195,7 +5196,7 @@
           <p:nvPr/>
         </p:nvPicPr>
         <p:blipFill>
-          <a:blip r:embed="rId3">
+          <a:blip r:embed="rId3" cstate="hqprint">
             <a:extLst>
               <a:ext uri="{28A0092B-C50C-407E-A947-70E740481C1C}">
                 <a14:useLocalDpi xmlns:a14="http://schemas.microsoft.com/office/drawing/2010/main" val="0"/>
@@ -5231,7 +5232,7 @@
           <p:nvPr/>
         </p:nvPicPr>
         <p:blipFill>
-          <a:blip r:embed="rId4">
+          <a:blip r:embed="rId4" cstate="hqprint">
             <a:extLst>
               <a:ext uri="{28A0092B-C50C-407E-A947-70E740481C1C}">
                 <a14:useLocalDpi xmlns:a14="http://schemas.microsoft.com/office/drawing/2010/main" val="0"/>
@@ -5469,12 +5470,15 @@
                 <a:latin typeface="Courier New" panose="02070309020205020404" pitchFamily="49" charset="0"/>
                 <a:cs typeface="Courier New" panose="02070309020205020404" pitchFamily="49" charset="0"/>
               </a:rPr>
-              <a:t>1.6 Stakeholder</a:t>
-            </a:r>
-            <a:endParaRPr lang="en-ID" dirty="0">
-              <a:latin typeface="Courier New" panose="02070309020205020404" pitchFamily="49" charset="0"/>
-              <a:cs typeface="Courier New" panose="02070309020205020404" pitchFamily="49" charset="0"/>
-            </a:endParaRPr>
+              <a:t>1.6 </a:t>
+            </a:r>
+            <a:r>
+              <a:rPr lang="en-US" dirty="0" smtClean="0">
+                <a:latin typeface="Courier New" panose="02070309020205020404" pitchFamily="49" charset="0"/>
+                <a:cs typeface="Courier New" panose="02070309020205020404" pitchFamily="49" charset="0"/>
+              </a:rPr>
+              <a:t>Stakeholder</a:t>
+            </a:r>
           </a:p>
         </p:txBody>
       </p:sp>
@@ -5534,7 +5538,14 @@
                 <a:latin typeface="Courier New" panose="02070309020205020404" pitchFamily="49" charset="0"/>
                 <a:cs typeface="Courier New" panose="02070309020205020404" pitchFamily="49" charset="0"/>
               </a:rPr>
-              <a:t>Project Scope</a:t>
+              <a:t>Project </a:t>
+            </a:r>
+            <a:r>
+              <a:rPr lang="en-US" dirty="0" smtClean="0">
+                <a:latin typeface="Courier New" panose="02070309020205020404" pitchFamily="49" charset="0"/>
+                <a:cs typeface="Courier New" panose="02070309020205020404" pitchFamily="49" charset="0"/>
+              </a:rPr>
+              <a:t>Scope</a:t>
             </a:r>
             <a:endParaRPr lang="en-ID" dirty="0">
               <a:latin typeface="Courier New" panose="02070309020205020404" pitchFamily="49" charset="0"/>
@@ -5812,7 +5823,19 @@
             </a:pPr>
             <a:r>
               <a:rPr lang="en-ID" dirty="0"/>
-              <a:t>•	Diagram		: Draw.io</a:t>
+              <a:t>•	Diagram		</a:t>
+            </a:r>
+            <a:r>
+              <a:rPr lang="en-ID" dirty="0"/>
+              <a:t>	</a:t>
+            </a:r>
+            <a:r>
+              <a:rPr lang="en-ID" dirty="0" smtClean="0"/>
+              <a:t>: </a:t>
+            </a:r>
+            <a:r>
+              <a:rPr lang="en-ID" dirty="0"/>
+              <a:t>Draw.io</a:t>
             </a:r>
           </a:p>
           <a:p>
@@ -5821,7 +5844,15 @@
             </a:pPr>
             <a:r>
               <a:rPr lang="en-ID" dirty="0"/>
-              <a:t>•	Wireframe		: Balsamiq</a:t>
+              <a:t>•	Wireframe		</a:t>
+            </a:r>
+            <a:r>
+              <a:rPr lang="en-ID" dirty="0" smtClean="0"/>
+              <a:t>	: </a:t>
+            </a:r>
+            <a:r>
+              <a:rPr lang="en-ID" dirty="0"/>
+              <a:t>Balsamiq</a:t>
             </a:r>
           </a:p>
           <a:p>
@@ -5838,7 +5869,19 @@
             </a:r>
             <a:r>
               <a:rPr lang="en-ID" dirty="0"/>
-              <a:t>		: https://mockuphone.com/</a:t>
+              <a:t>	</a:t>
+            </a:r>
+            <a:r>
+              <a:rPr lang="en-ID"/>
+              <a:t>	</a:t>
+            </a:r>
+            <a:r>
+              <a:rPr lang="en-ID" smtClean="0"/>
+              <a:t>	: </a:t>
+            </a:r>
+            <a:r>
+              <a:rPr lang="en-ID" dirty="0"/>
+              <a:t>https://mockuphone.com/</a:t>
             </a:r>
           </a:p>
           <a:p>

--- a/Presentasi_PPL4623_KELOMPOK6.pptx
+++ b/Presentasi_PPL4623_KELOMPOK6.pptx
@@ -168,7 +168,6 @@
           </a:p>
         </c:rich>
       </c:tx>
-      <c:layout/>
       <c:overlay val="0"/>
       <c:spPr>
         <a:noFill/>
@@ -5027,7 +5026,7 @@
           </p:nvPr>
         </p:nvPicPr>
         <p:blipFill>
-          <a:blip r:embed="rId2" cstate="hqprint">
+          <a:blip r:embed="rId2">
             <a:extLst>
               <a:ext uri="{28A0092B-C50C-407E-A947-70E740481C1C}">
                 <a14:useLocalDpi xmlns:a14="http://schemas.microsoft.com/office/drawing/2010/main" val="0"/>
@@ -5060,7 +5059,7 @@
           <p:nvPr/>
         </p:nvPicPr>
         <p:blipFill>
-          <a:blip r:embed="rId3" cstate="hqprint">
+          <a:blip r:embed="rId3">
             <a:extLst>
               <a:ext uri="{28A0092B-C50C-407E-A947-70E740481C1C}">
                 <a14:useLocalDpi xmlns:a14="http://schemas.microsoft.com/office/drawing/2010/main" val="0"/>
@@ -5163,7 +5162,7 @@
           </p:nvPr>
         </p:nvPicPr>
         <p:blipFill>
-          <a:blip r:embed="rId2" cstate="hqprint">
+          <a:blip r:embed="rId2">
             <a:extLst>
               <a:ext uri="{28A0092B-C50C-407E-A947-70E740481C1C}">
                 <a14:useLocalDpi xmlns:a14="http://schemas.microsoft.com/office/drawing/2010/main" val="0"/>
@@ -5196,7 +5195,7 @@
           <p:nvPr/>
         </p:nvPicPr>
         <p:blipFill>
-          <a:blip r:embed="rId3" cstate="hqprint">
+          <a:blip r:embed="rId3">
             <a:extLst>
               <a:ext uri="{28A0092B-C50C-407E-A947-70E740481C1C}">
                 <a14:useLocalDpi xmlns:a14="http://schemas.microsoft.com/office/drawing/2010/main" val="0"/>
@@ -5232,7 +5231,7 @@
           <p:nvPr/>
         </p:nvPicPr>
         <p:blipFill>
-          <a:blip r:embed="rId4" cstate="hqprint">
+          <a:blip r:embed="rId4">
             <a:extLst>
               <a:ext uri="{28A0092B-C50C-407E-A947-70E740481C1C}">
                 <a14:useLocalDpi xmlns:a14="http://schemas.microsoft.com/office/drawing/2010/main" val="0"/>
@@ -5470,15 +5469,12 @@
                 <a:latin typeface="Courier New" panose="02070309020205020404" pitchFamily="49" charset="0"/>
                 <a:cs typeface="Courier New" panose="02070309020205020404" pitchFamily="49" charset="0"/>
               </a:rPr>
-              <a:t>1.6 </a:t>
-            </a:r>
-            <a:r>
-              <a:rPr lang="en-US" dirty="0" smtClean="0">
-                <a:latin typeface="Courier New" panose="02070309020205020404" pitchFamily="49" charset="0"/>
-                <a:cs typeface="Courier New" panose="02070309020205020404" pitchFamily="49" charset="0"/>
-              </a:rPr>
-              <a:t>Stakeholder</a:t>
-            </a:r>
+              <a:t>1.6 Stakeholder</a:t>
+            </a:r>
+            <a:endParaRPr lang="en-ID" dirty="0">
+              <a:latin typeface="Courier New" panose="02070309020205020404" pitchFamily="49" charset="0"/>
+              <a:cs typeface="Courier New" panose="02070309020205020404" pitchFamily="49" charset="0"/>
+            </a:endParaRPr>
           </a:p>
         </p:txBody>
       </p:sp>
@@ -5538,14 +5534,7 @@
                 <a:latin typeface="Courier New" panose="02070309020205020404" pitchFamily="49" charset="0"/>
                 <a:cs typeface="Courier New" panose="02070309020205020404" pitchFamily="49" charset="0"/>
               </a:rPr>
-              <a:t>Project </a:t>
-            </a:r>
-            <a:r>
-              <a:rPr lang="en-US" dirty="0" smtClean="0">
-                <a:latin typeface="Courier New" panose="02070309020205020404" pitchFamily="49" charset="0"/>
-                <a:cs typeface="Courier New" panose="02070309020205020404" pitchFamily="49" charset="0"/>
-              </a:rPr>
-              <a:t>Scope</a:t>
+              <a:t>Project Scope</a:t>
             </a:r>
             <a:endParaRPr lang="en-ID" dirty="0">
               <a:latin typeface="Courier New" panose="02070309020205020404" pitchFamily="49" charset="0"/>
@@ -5623,6 +5612,15 @@
               </a:rPr>
               <a:t>Fungsionalitas</a:t>
             </a:r>
+            <a:endParaRPr lang="en-US" dirty="0">
+              <a:latin typeface="Courier New" panose="02070309020205020404" pitchFamily="49" charset="0"/>
+              <a:cs typeface="Courier New" panose="02070309020205020404" pitchFamily="49" charset="0"/>
+            </a:endParaRPr>
+          </a:p>
+          <a:p>
+            <a:pPr marL="0" indent="0">
+              <a:buNone/>
+            </a:pPr>
             <a:endParaRPr lang="en-ID" dirty="0">
               <a:latin typeface="Courier New" panose="02070309020205020404" pitchFamily="49" charset="0"/>
               <a:cs typeface="Courier New" panose="02070309020205020404" pitchFamily="49" charset="0"/>
@@ -5823,36 +5821,16 @@
             </a:pPr>
             <a:r>
               <a:rPr lang="en-ID" dirty="0"/>
-              <a:t>•	Diagram		</a:t>
-            </a:r>
+              <a:t>•	Diagram		: Draw.io</a:t>
+            </a:r>
+          </a:p>
+          <a:p>
+            <a:pPr marL="0" indent="0">
+              <a:buNone/>
+            </a:pPr>
             <a:r>
               <a:rPr lang="en-ID" dirty="0"/>
-              <a:t>	</a:t>
-            </a:r>
-            <a:r>
-              <a:rPr lang="en-ID" dirty="0" smtClean="0"/>
-              <a:t>: </a:t>
-            </a:r>
-            <a:r>
-              <a:rPr lang="en-ID" dirty="0"/>
-              <a:t>Draw.io</a:t>
-            </a:r>
-          </a:p>
-          <a:p>
-            <a:pPr marL="0" indent="0">
-              <a:buNone/>
-            </a:pPr>
-            <a:r>
-              <a:rPr lang="en-ID" dirty="0"/>
-              <a:t>•	Wireframe		</a:t>
-            </a:r>
-            <a:r>
-              <a:rPr lang="en-ID" dirty="0" smtClean="0"/>
-              <a:t>	: </a:t>
-            </a:r>
-            <a:r>
-              <a:rPr lang="en-ID" dirty="0"/>
-              <a:t>Balsamiq</a:t>
+              <a:t>•	Wireframe		: Balsamiq</a:t>
             </a:r>
           </a:p>
           <a:p>
@@ -5869,19 +5847,7 @@
             </a:r>
             <a:r>
               <a:rPr lang="en-ID" dirty="0"/>
-              <a:t>	</a:t>
-            </a:r>
-            <a:r>
-              <a:rPr lang="en-ID"/>
-              <a:t>	</a:t>
-            </a:r>
-            <a:r>
-              <a:rPr lang="en-ID" smtClean="0"/>
-              <a:t>	: </a:t>
-            </a:r>
-            <a:r>
-              <a:rPr lang="en-ID" dirty="0"/>
-              <a:t>https://mockuphone.com/</a:t>
+              <a:t>		: https://mockuphone.com/</a:t>
             </a:r>
           </a:p>
           <a:p>

--- a/Presentasi_PPL4623_KELOMPOK6.pptx
+++ b/Presentasi_PPL4623_KELOMPOK6.pptx
@@ -1295,7 +1295,7 @@
           <a:p>
             <a:fld id="{11B62204-F58B-4ED2-B286-CE0D31C1F9A6}" type="datetimeFigureOut">
               <a:rPr lang="en-ID" smtClean="0"/>
-              <a:t>21/04/2021</a:t>
+              <a:t>07/07/2021</a:t>
             </a:fld>
             <a:endParaRPr lang="en-ID"/>
           </a:p>
@@ -1495,7 +1495,7 @@
           <a:p>
             <a:fld id="{11B62204-F58B-4ED2-B286-CE0D31C1F9A6}" type="datetimeFigureOut">
               <a:rPr lang="en-ID" smtClean="0"/>
-              <a:t>21/04/2021</a:t>
+              <a:t>07/07/2021</a:t>
             </a:fld>
             <a:endParaRPr lang="en-ID"/>
           </a:p>
@@ -1705,7 +1705,7 @@
           <a:p>
             <a:fld id="{11B62204-F58B-4ED2-B286-CE0D31C1F9A6}" type="datetimeFigureOut">
               <a:rPr lang="en-ID" smtClean="0"/>
-              <a:t>21/04/2021</a:t>
+              <a:t>07/07/2021</a:t>
             </a:fld>
             <a:endParaRPr lang="en-ID"/>
           </a:p>
@@ -1905,7 +1905,7 @@
           <a:p>
             <a:fld id="{11B62204-F58B-4ED2-B286-CE0D31C1F9A6}" type="datetimeFigureOut">
               <a:rPr lang="en-ID" smtClean="0"/>
-              <a:t>21/04/2021</a:t>
+              <a:t>07/07/2021</a:t>
             </a:fld>
             <a:endParaRPr lang="en-ID"/>
           </a:p>
@@ -2181,7 +2181,7 @@
           <a:p>
             <a:fld id="{11B62204-F58B-4ED2-B286-CE0D31C1F9A6}" type="datetimeFigureOut">
               <a:rPr lang="en-ID" smtClean="0"/>
-              <a:t>21/04/2021</a:t>
+              <a:t>07/07/2021</a:t>
             </a:fld>
             <a:endParaRPr lang="en-ID"/>
           </a:p>
@@ -2449,7 +2449,7 @@
           <a:p>
             <a:fld id="{11B62204-F58B-4ED2-B286-CE0D31C1F9A6}" type="datetimeFigureOut">
               <a:rPr lang="en-ID" smtClean="0"/>
-              <a:t>21/04/2021</a:t>
+              <a:t>07/07/2021</a:t>
             </a:fld>
             <a:endParaRPr lang="en-ID"/>
           </a:p>
@@ -2864,7 +2864,7 @@
           <a:p>
             <a:fld id="{11B62204-F58B-4ED2-B286-CE0D31C1F9A6}" type="datetimeFigureOut">
               <a:rPr lang="en-ID" smtClean="0"/>
-              <a:t>21/04/2021</a:t>
+              <a:t>07/07/2021</a:t>
             </a:fld>
             <a:endParaRPr lang="en-ID"/>
           </a:p>
@@ -3006,7 +3006,7 @@
           <a:p>
             <a:fld id="{11B62204-F58B-4ED2-B286-CE0D31C1F9A6}" type="datetimeFigureOut">
               <a:rPr lang="en-ID" smtClean="0"/>
-              <a:t>21/04/2021</a:t>
+              <a:t>07/07/2021</a:t>
             </a:fld>
             <a:endParaRPr lang="en-ID"/>
           </a:p>
@@ -3119,7 +3119,7 @@
           <a:p>
             <a:fld id="{11B62204-F58B-4ED2-B286-CE0D31C1F9A6}" type="datetimeFigureOut">
               <a:rPr lang="en-ID" smtClean="0"/>
-              <a:t>21/04/2021</a:t>
+              <a:t>07/07/2021</a:t>
             </a:fld>
             <a:endParaRPr lang="en-ID"/>
           </a:p>
@@ -3432,7 +3432,7 @@
           <a:p>
             <a:fld id="{11B62204-F58B-4ED2-B286-CE0D31C1F9A6}" type="datetimeFigureOut">
               <a:rPr lang="en-ID" smtClean="0"/>
-              <a:t>21/04/2021</a:t>
+              <a:t>07/07/2021</a:t>
             </a:fld>
             <a:endParaRPr lang="en-ID"/>
           </a:p>
@@ -3721,7 +3721,7 @@
           <a:p>
             <a:fld id="{11B62204-F58B-4ED2-B286-CE0D31C1F9A6}" type="datetimeFigureOut">
               <a:rPr lang="en-ID" smtClean="0"/>
-              <a:t>21/04/2021</a:t>
+              <a:t>07/07/2021</a:t>
             </a:fld>
             <a:endParaRPr lang="en-ID"/>
           </a:p>
@@ -3964,7 +3964,7 @@
           <a:p>
             <a:fld id="{11B62204-F58B-4ED2-B286-CE0D31C1F9A6}" type="datetimeFigureOut">
               <a:rPr lang="en-ID" smtClean="0"/>
-              <a:t>21/04/2021</a:t>
+              <a:t>07/07/2021</a:t>
             </a:fld>
             <a:endParaRPr lang="en-ID"/>
           </a:p>
@@ -4399,7 +4399,9 @@
         </p:nvSpPr>
         <p:spPr/>
         <p:txBody>
-          <a:bodyPr/>
+          <a:bodyPr>
+            <a:normAutofit fontScale="90000"/>
+          </a:bodyPr>
           <a:lstStyle/>
           <a:p>
             <a:r>
@@ -4417,12 +4419,25 @@
               <a:t> 6 RPL : </a:t>
             </a:r>
             <a:r>
-              <a:rPr lang="en-US" dirty="0" err="1">
+              <a:rPr lang="en-US" dirty="0" err="1" smtClean="0">
                 <a:latin typeface="Courier New" panose="02070309020205020404" pitchFamily="49" charset="0"/>
                 <a:cs typeface="Courier New" panose="02070309020205020404" pitchFamily="49" charset="0"/>
               </a:rPr>
               <a:t>RemindeR</a:t>
             </a:r>
+            <a:r>
+              <a:rPr lang="en-US" dirty="0" smtClean="0">
+                <a:latin typeface="Courier New" panose="02070309020205020404" pitchFamily="49" charset="0"/>
+                <a:cs typeface="Courier New" panose="02070309020205020404" pitchFamily="49" charset="0"/>
+              </a:rPr>
+              <a:t/>
+            </a:r>
+            <a:br>
+              <a:rPr lang="en-US" dirty="0" smtClean="0">
+                <a:latin typeface="Courier New" panose="02070309020205020404" pitchFamily="49" charset="0"/>
+                <a:cs typeface="Courier New" panose="02070309020205020404" pitchFamily="49" charset="0"/>
+              </a:rPr>
+            </a:br>
             <a:endParaRPr lang="en-ID" dirty="0">
               <a:latin typeface="Courier New" panose="02070309020205020404" pitchFamily="49" charset="0"/>
               <a:cs typeface="Courier New" panose="02070309020205020404" pitchFamily="49" charset="0"/>
@@ -4445,7 +4460,7 @@
         <p:spPr>
           <a:xfrm>
             <a:off x="2449669" y="3596427"/>
-            <a:ext cx="7292662" cy="2378664"/>
+            <a:ext cx="7292662" cy="2383473"/>
           </a:xfrm>
           <a:prstGeom prst="rect">
             <a:avLst/>
@@ -4628,7 +4643,55 @@
                 <a:ea typeface="Times New Roman" panose="02020603050405020304" pitchFamily="18" charset="0"/>
                 <a:cs typeface="Times New Roman" panose="02020603050405020304" pitchFamily="18" charset="0"/>
               </a:rPr>
-              <a:t>3. Diva Madani S. 		(A11.2018.11021)</a:t>
+              <a:t>3. Diva </a:t>
+            </a:r>
+            <a:r>
+              <a:rPr lang="en-US" sz="1800" dirty="0" err="1">
+                <a:solidFill>
+                  <a:srgbClr val="000000"/>
+                </a:solidFill>
+                <a:effectLst/>
+                <a:latin typeface="Courier New" panose="02070309020205020404" pitchFamily="49" charset="0"/>
+                <a:ea typeface="Times New Roman" panose="02020603050405020304" pitchFamily="18" charset="0"/>
+                <a:cs typeface="Times New Roman" panose="02020603050405020304" pitchFamily="18" charset="0"/>
+              </a:rPr>
+              <a:t>Madani</a:t>
+            </a:r>
+            <a:r>
+              <a:rPr lang="en-US" sz="1800" dirty="0">
+                <a:solidFill>
+                  <a:srgbClr val="000000"/>
+                </a:solidFill>
+                <a:effectLst/>
+                <a:latin typeface="Courier New" panose="02070309020205020404" pitchFamily="49" charset="0"/>
+                <a:ea typeface="Times New Roman" panose="02020603050405020304" pitchFamily="18" charset="0"/>
+                <a:cs typeface="Times New Roman" panose="02020603050405020304" pitchFamily="18" charset="0"/>
+              </a:rPr>
+              <a:t> </a:t>
+            </a:r>
+            <a:r>
+              <a:rPr lang="en-US" sz="1800" dirty="0" smtClean="0">
+                <a:solidFill>
+                  <a:srgbClr val="000000"/>
+                </a:solidFill>
+                <a:effectLst/>
+                <a:latin typeface="Courier New" panose="02070309020205020404" pitchFamily="49" charset="0"/>
+                <a:ea typeface="Times New Roman" panose="02020603050405020304" pitchFamily="18" charset="0"/>
+                <a:cs typeface="Times New Roman" panose="02020603050405020304" pitchFamily="18" charset="0"/>
+              </a:rPr>
+              <a:t>S. </a:t>
+            </a:r>
+            <a:r>
+              <a:rPr lang="en-US" sz="1800" dirty="0">
+                <a:solidFill>
+                  <a:srgbClr val="000000"/>
+                </a:solidFill>
+                <a:effectLst/>
+                <a:latin typeface="Courier New" panose="02070309020205020404" pitchFamily="49" charset="0"/>
+                <a:ea typeface="Times New Roman" panose="02020603050405020304" pitchFamily="18" charset="0"/>
+                <a:cs typeface="Times New Roman" panose="02020603050405020304" pitchFamily="18" charset="0"/>
+              </a:rPr>
+              <a:t>		(A11.2018.11021)</a:t>
             </a:r>
             <a:endParaRPr lang="en-ID" sz="1400" dirty="0">
               <a:effectLst/>
@@ -5026,7 +5089,7 @@
           </p:nvPr>
         </p:nvPicPr>
         <p:blipFill>
-          <a:blip r:embed="rId2">
+          <a:blip r:embed="rId2" cstate="hqprint">
             <a:extLst>
               <a:ext uri="{28A0092B-C50C-407E-A947-70E740481C1C}">
                 <a14:useLocalDpi xmlns:a14="http://schemas.microsoft.com/office/drawing/2010/main" val="0"/>
@@ -5059,7 +5122,7 @@
           <p:nvPr/>
         </p:nvPicPr>
         <p:blipFill>
-          <a:blip r:embed="rId3">
+          <a:blip r:embed="rId3" cstate="hqprint">
             <a:extLst>
               <a:ext uri="{28A0092B-C50C-407E-A947-70E740481C1C}">
                 <a14:useLocalDpi xmlns:a14="http://schemas.microsoft.com/office/drawing/2010/main" val="0"/>
@@ -5162,7 +5225,7 @@
           </p:nvPr>
         </p:nvPicPr>
         <p:blipFill>
-          <a:blip r:embed="rId2">
+          <a:blip r:embed="rId2" cstate="hqprint">
             <a:extLst>
               <a:ext uri="{28A0092B-C50C-407E-A947-70E740481C1C}">
                 <a14:useLocalDpi xmlns:a14="http://schemas.microsoft.com/office/drawing/2010/main" val="0"/>
@@ -5195,7 +5258,7 @@
           <p:nvPr/>
         </p:nvPicPr>
         <p:blipFill>
-          <a:blip r:embed="rId3">
+          <a:blip r:embed="rId3" cstate="hqprint">
             <a:extLst>
               <a:ext uri="{28A0092B-C50C-407E-A947-70E740481C1C}">
                 <a14:useLocalDpi xmlns:a14="http://schemas.microsoft.com/office/drawing/2010/main" val="0"/>
@@ -5231,7 +5294,7 @@
           <p:nvPr/>
         </p:nvPicPr>
         <p:blipFill>
-          <a:blip r:embed="rId4">
+          <a:blip r:embed="rId4" cstate="hqprint">
             <a:extLst>
               <a:ext uri="{28A0092B-C50C-407E-A947-70E740481C1C}">
                 <a14:useLocalDpi xmlns:a14="http://schemas.microsoft.com/office/drawing/2010/main" val="0"/>
@@ -5359,7 +5422,14 @@
                 <a:latin typeface="Courier New" panose="02070309020205020404" pitchFamily="49" charset="0"/>
                 <a:cs typeface="Courier New" panose="02070309020205020404" pitchFamily="49" charset="0"/>
               </a:rPr>
-              <a:t>kelompok</a:t>
+              <a:t>K</a:t>
+            </a:r>
+            <a:r>
+              <a:rPr lang="en-US" dirty="0" err="1" smtClean="0">
+                <a:latin typeface="Courier New" panose="02070309020205020404" pitchFamily="49" charset="0"/>
+                <a:cs typeface="Courier New" panose="02070309020205020404" pitchFamily="49" charset="0"/>
+              </a:rPr>
+              <a:t>elompok</a:t>
             </a:r>
             <a:endParaRPr lang="en-US" dirty="0">
               <a:latin typeface="Courier New" panose="02070309020205020404" pitchFamily="49" charset="0"/>
@@ -6218,11 +6288,25 @@
           <a:lstStyle/>
           <a:p>
             <a:r>
+              <a:rPr lang="en-US" dirty="0" smtClean="0">
+                <a:latin typeface="Courier New" panose="02070309020205020404" pitchFamily="49" charset="0"/>
+                <a:cs typeface="Courier New" panose="02070309020205020404" pitchFamily="49" charset="0"/>
+              </a:rPr>
+              <a:t>Add </a:t>
+            </a:r>
+            <a:r>
               <a:rPr lang="en-US" dirty="0">
                 <a:latin typeface="Courier New" panose="02070309020205020404" pitchFamily="49" charset="0"/>
                 <a:cs typeface="Courier New" panose="02070309020205020404" pitchFamily="49" charset="0"/>
               </a:rPr>
-              <a:t>Add Schedule Personal</a:t>
+              <a:t>Schedule </a:t>
+            </a:r>
+            <a:r>
+              <a:rPr lang="en-US" dirty="0" smtClean="0">
+                <a:latin typeface="Courier New" panose="02070309020205020404" pitchFamily="49" charset="0"/>
+                <a:cs typeface="Courier New" panose="02070309020205020404" pitchFamily="49" charset="0"/>
+              </a:rPr>
+              <a:t>Personal</a:t>
             </a:r>
             <a:endParaRPr lang="en-ID" dirty="0">
               <a:latin typeface="Courier New" panose="02070309020205020404" pitchFamily="49" charset="0"/>
